--- a/Empresa Electrica.pptx
+++ b/Empresa Electrica.pptx
@@ -217,7 +217,7 @@
           <a:p>
             <a:fld id="{F61B322D-DFB9-4A17-886F-3A21DB9B0CF6}" type="datetimeFigureOut">
               <a:rPr lang="es-MX" smtClean="0"/>
-              <a:t>01/07/2021</a:t>
+              <a:t>02/07/2021</a:t>
             </a:fld>
             <a:endParaRPr lang="es-MX"/>
           </a:p>
@@ -823,7 +823,7 @@
           <a:p>
             <a:fld id="{0F4E7D41-47BF-4300-9623-3978FEB32E91}" type="datetimeFigureOut">
               <a:rPr lang="es-MX" smtClean="0"/>
-              <a:t>01/07/2021</a:t>
+              <a:t>02/07/2021</a:t>
             </a:fld>
             <a:endParaRPr lang="es-MX"/>
           </a:p>
@@ -1090,7 +1090,7 @@
           <a:p>
             <a:fld id="{0F4E7D41-47BF-4300-9623-3978FEB32E91}" type="datetimeFigureOut">
               <a:rPr lang="es-MX" smtClean="0"/>
-              <a:t>01/07/2021</a:t>
+              <a:t>02/07/2021</a:t>
             </a:fld>
             <a:endParaRPr lang="es-MX"/>
           </a:p>
@@ -1321,7 +1321,7 @@
           <a:p>
             <a:fld id="{0F4E7D41-47BF-4300-9623-3978FEB32E91}" type="datetimeFigureOut">
               <a:rPr lang="es-MX" smtClean="0"/>
-              <a:t>01/07/2021</a:t>
+              <a:t>02/07/2021</a:t>
             </a:fld>
             <a:endParaRPr lang="es-MX"/>
           </a:p>
@@ -1631,7 +1631,7 @@
           <a:p>
             <a:fld id="{0F4E7D41-47BF-4300-9623-3978FEB32E91}" type="datetimeFigureOut">
               <a:rPr lang="es-MX" smtClean="0"/>
-              <a:t>01/07/2021</a:t>
+              <a:t>02/07/2021</a:t>
             </a:fld>
             <a:endParaRPr lang="es-MX"/>
           </a:p>
@@ -2104,7 +2104,7 @@
           <a:p>
             <a:fld id="{0F4E7D41-47BF-4300-9623-3978FEB32E91}" type="datetimeFigureOut">
               <a:rPr lang="es-MX" smtClean="0"/>
-              <a:t>01/07/2021</a:t>
+              <a:t>02/07/2021</a:t>
             </a:fld>
             <a:endParaRPr lang="es-MX"/>
           </a:p>
@@ -2651,7 +2651,7 @@
           <a:p>
             <a:fld id="{0F4E7D41-47BF-4300-9623-3978FEB32E91}" type="datetimeFigureOut">
               <a:rPr lang="es-MX" smtClean="0"/>
-              <a:t>01/07/2021</a:t>
+              <a:t>02/07/2021</a:t>
             </a:fld>
             <a:endParaRPr lang="es-MX"/>
           </a:p>
@@ -3425,7 +3425,7 @@
           <a:p>
             <a:fld id="{0F4E7D41-47BF-4300-9623-3978FEB32E91}" type="datetimeFigureOut">
               <a:rPr lang="es-MX" smtClean="0"/>
-              <a:t>01/07/2021</a:t>
+              <a:t>02/07/2021</a:t>
             </a:fld>
             <a:endParaRPr lang="es-MX"/>
           </a:p>
@@ -3600,7 +3600,7 @@
           <a:p>
             <a:fld id="{0F4E7D41-47BF-4300-9623-3978FEB32E91}" type="datetimeFigureOut">
               <a:rPr lang="es-MX" smtClean="0"/>
-              <a:t>01/07/2021</a:t>
+              <a:t>02/07/2021</a:t>
             </a:fld>
             <a:endParaRPr lang="es-MX"/>
           </a:p>
@@ -3823,7 +3823,7 @@
           <a:p>
             <a:fld id="{0F4E7D41-47BF-4300-9623-3978FEB32E91}" type="datetimeFigureOut">
               <a:rPr lang="es-MX" smtClean="0"/>
-              <a:t>01/07/2021</a:t>
+              <a:t>02/07/2021</a:t>
             </a:fld>
             <a:endParaRPr lang="es-MX"/>
           </a:p>
@@ -4003,7 +4003,7 @@
           <a:p>
             <a:fld id="{0F4E7D41-47BF-4300-9623-3978FEB32E91}" type="datetimeFigureOut">
               <a:rPr lang="es-MX" smtClean="0"/>
-              <a:t>01/07/2021</a:t>
+              <a:t>02/07/2021</a:t>
             </a:fld>
             <a:endParaRPr lang="es-MX"/>
           </a:p>
@@ -4292,7 +4292,7 @@
           <a:p>
             <a:fld id="{0F4E7D41-47BF-4300-9623-3978FEB32E91}" type="datetimeFigureOut">
               <a:rPr lang="es-MX" smtClean="0"/>
-              <a:t>01/07/2021</a:t>
+              <a:t>02/07/2021</a:t>
             </a:fld>
             <a:endParaRPr lang="es-MX"/>
           </a:p>
@@ -4534,7 +4534,7 @@
           <a:p>
             <a:fld id="{0F4E7D41-47BF-4300-9623-3978FEB32E91}" type="datetimeFigureOut">
               <a:rPr lang="es-MX" smtClean="0"/>
-              <a:t>01/07/2021</a:t>
+              <a:t>02/07/2021</a:t>
             </a:fld>
             <a:endParaRPr lang="es-MX"/>
           </a:p>
@@ -4913,7 +4913,7 @@
           <a:p>
             <a:fld id="{0F4E7D41-47BF-4300-9623-3978FEB32E91}" type="datetimeFigureOut">
               <a:rPr lang="es-MX" smtClean="0"/>
-              <a:t>01/07/2021</a:t>
+              <a:t>02/07/2021</a:t>
             </a:fld>
             <a:endParaRPr lang="es-MX"/>
           </a:p>
@@ -5031,7 +5031,7 @@
           <a:p>
             <a:fld id="{0F4E7D41-47BF-4300-9623-3978FEB32E91}" type="datetimeFigureOut">
               <a:rPr lang="es-MX" smtClean="0"/>
-              <a:t>01/07/2021</a:t>
+              <a:t>02/07/2021</a:t>
             </a:fld>
             <a:endParaRPr lang="es-MX"/>
           </a:p>
@@ -5126,7 +5126,7 @@
           <a:p>
             <a:fld id="{0F4E7D41-47BF-4300-9623-3978FEB32E91}" type="datetimeFigureOut">
               <a:rPr lang="es-MX" smtClean="0"/>
-              <a:t>01/07/2021</a:t>
+              <a:t>02/07/2021</a:t>
             </a:fld>
             <a:endParaRPr lang="es-MX"/>
           </a:p>
@@ -5375,7 +5375,7 @@
           <a:p>
             <a:fld id="{0F4E7D41-47BF-4300-9623-3978FEB32E91}" type="datetimeFigureOut">
               <a:rPr lang="es-MX" smtClean="0"/>
-              <a:t>01/07/2021</a:t>
+              <a:t>02/07/2021</a:t>
             </a:fld>
             <a:endParaRPr lang="es-MX"/>
           </a:p>
@@ -5632,7 +5632,7 @@
           <a:p>
             <a:fld id="{0F4E7D41-47BF-4300-9623-3978FEB32E91}" type="datetimeFigureOut">
               <a:rPr lang="es-MX" smtClean="0"/>
-              <a:t>01/07/2021</a:t>
+              <a:t>02/07/2021</a:t>
             </a:fld>
             <a:endParaRPr lang="es-MX"/>
           </a:p>
@@ -5875,7 +5875,7 @@
           <a:p>
             <a:fld id="{0F4E7D41-47BF-4300-9623-3978FEB32E91}" type="datetimeFigureOut">
               <a:rPr lang="es-MX" smtClean="0"/>
-              <a:t>01/07/2021</a:t>
+              <a:t>02/07/2021</a:t>
             </a:fld>
             <a:endParaRPr lang="es-MX"/>
           </a:p>
@@ -17181,12 +17181,6 @@
               </a:rPr>
               <a:t>-- CONSULTA DE CONSUMO DE ALUMBRADO PÚBLICO</a:t>
             </a:r>
-            <a:endParaRPr lang="es-MX" dirty="0">
-              <a:solidFill>
-                <a:srgbClr val="808080"/>
-              </a:solidFill>
-              <a:latin typeface="Consolas" panose="020B0609020204030204" pitchFamily="49" charset="0"/>
-            </a:endParaRPr>
           </a:p>
         </p:txBody>
       </p:sp>
@@ -18685,12 +18679,6 @@
               </a:rPr>
               <a:t>-- CONSULTA DE CONSUMO ELECTRICO POR MES </a:t>
             </a:r>
-            <a:endParaRPr lang="es-MX" dirty="0">
-              <a:solidFill>
-                <a:srgbClr val="808080"/>
-              </a:solidFill>
-              <a:latin typeface="Consolas" panose="020B0609020204030204" pitchFamily="49" charset="0"/>
-            </a:endParaRPr>
           </a:p>
         </p:txBody>
       </p:sp>
@@ -19463,12 +19451,6 @@
               </a:rPr>
               <a:t>-- CONSULTA DE SOLICITUDES POR ADMINISTRADOR Y CLIENTE</a:t>
             </a:r>
-            <a:endParaRPr lang="es-MX" dirty="0">
-              <a:solidFill>
-                <a:srgbClr val="808080"/>
-              </a:solidFill>
-              <a:latin typeface="Consolas" panose="020B0609020204030204" pitchFamily="49" charset="0"/>
-            </a:endParaRPr>
           </a:p>
         </p:txBody>
       </p:sp>
@@ -22474,7 +22456,15 @@
             </a:pPr>
             <a:r>
               <a:rPr lang="es-MX" sz="1300" dirty="0" smtClean="0"/>
-              <a:t>El pago tendrá que afectar al valor de consumo, con esto se especifica que el valor adeudado por consumo se reducirá, el pago tendrá su propio registro teniendo en cuenta la fecha, tipo de pago (tarjeta o </a:t>
+              <a:t>El pago tendrá que afectar al valor de </a:t>
+            </a:r>
+            <a:r>
+              <a:rPr lang="es-MX" sz="1300" dirty="0" smtClean="0"/>
+              <a:t>la tarifa, </a:t>
+            </a:r>
+            <a:r>
+              <a:rPr lang="es-MX" sz="1300" dirty="0" smtClean="0"/>
+              <a:t>con esto se especifica que el valor adeudado por consumo se reducirá, el pago tendrá su propio registro teniendo en cuenta la fecha, tipo de pago (tarjeta o </a:t>
             </a:r>
             <a:r>
               <a:rPr lang="es-MX" sz="1300" dirty="0" err="1" smtClean="0"/>
@@ -22482,7 +22472,11 @@
             </a:r>
             <a:r>
               <a:rPr lang="es-MX" sz="1300" dirty="0" smtClean="0"/>
-              <a:t>), descripción por el usuario, número de cuenta, valor a pagar, descuentos, </a:t>
+              <a:t>), descripción por el usuario, número de cuenta, valor a pagar</a:t>
+            </a:r>
+            <a:r>
+              <a:rPr lang="es-MX" sz="1300" dirty="0" smtClean="0"/>
+              <a:t>, </a:t>
             </a:r>
             <a:r>
               <a:rPr lang="es-MX" sz="1300" dirty="0" err="1" smtClean="0"/>
